--- a/Haat Baran SRS.pptx
+++ b/Haat Baran SRS.pptx
@@ -4220,9 +4220,57 @@
           </a:blipFill>
         </p:spPr>
       </p:sp>
+      <p:sp>
+        <p:nvSpPr>
+          <p:cNvPr name="Freeform 4" id="4"/>
+          <p:cNvSpPr/>
+          <p:nvPr/>
+        </p:nvSpPr>
+        <p:spPr>
+          <a:xfrm flipH="false" flipV="false" rot="0">
+            <a:off x="12835950" y="4804414"/>
+            <a:ext cx="4366980" cy="4366980"/>
+          </a:xfrm>
+          <a:custGeom>
+            <a:avLst/>
+            <a:gdLst/>
+            <a:ahLst/>
+            <a:cxnLst/>
+            <a:rect r="r" b="b" t="t" l="l"/>
+            <a:pathLst>
+              <a:path h="4366980" w="4366980">
+                <a:moveTo>
+                  <a:pt x="0" y="0"/>
+                </a:moveTo>
+                <a:lnTo>
+                  <a:pt x="4366980" y="0"/>
+                </a:lnTo>
+                <a:lnTo>
+                  <a:pt x="4366980" y="4366980"/>
+                </a:lnTo>
+                <a:lnTo>
+                  <a:pt x="0" y="4366980"/>
+                </a:lnTo>
+                <a:lnTo>
+                  <a:pt x="0" y="0"/>
+                </a:lnTo>
+                <a:close/>
+              </a:path>
+            </a:pathLst>
+          </a:custGeom>
+          <a:blipFill>
+            <a:blip r:embed="rId6">
+              <a:alphaModFix amt="21999"/>
+            </a:blip>
+            <a:stretch>
+              <a:fillRect l="0" t="0" r="0" b="0"/>
+            </a:stretch>
+          </a:blipFill>
+        </p:spPr>
+      </p:sp>
       <p:grpSp>
         <p:nvGrpSpPr>
-          <p:cNvPr name="Group 4" id="4"/>
+          <p:cNvPr name="Group 5" id="5"/>
           <p:cNvGrpSpPr/>
           <p:nvPr/>
         </p:nvGrpSpPr>
@@ -4236,7 +4284,7 @@
         </p:grpSpPr>
         <p:sp>
           <p:nvSpPr>
-            <p:cNvPr name="Freeform 5" id="5"/>
+            <p:cNvPr name="Freeform 6" id="6"/>
             <p:cNvSpPr/>
             <p:nvPr/>
           </p:nvSpPr>
@@ -4304,7 +4352,7 @@
         </p:sp>
         <p:sp>
           <p:nvSpPr>
-            <p:cNvPr name="TextBox 6" id="6"/>
+            <p:cNvPr name="TextBox 7" id="7"/>
             <p:cNvSpPr txBox="true"/>
             <p:nvPr/>
           </p:nvSpPr>
@@ -4332,7 +4380,7 @@
       </p:grpSp>
       <p:sp>
         <p:nvSpPr>
-          <p:cNvPr name="Freeform 7" id="7"/>
+          <p:cNvPr name="Freeform 8" id="8"/>
           <p:cNvSpPr/>
           <p:nvPr/>
         </p:nvSpPr>
@@ -4369,7 +4417,7 @@
             </a:pathLst>
           </a:custGeom>
           <a:blipFill>
-            <a:blip r:embed="rId6"/>
+            <a:blip r:embed="rId7"/>
             <a:stretch>
               <a:fillRect l="0" t="0" r="0" b="0"/>
             </a:stretch>
@@ -4378,7 +4426,7 @@
       </p:sp>
       <p:sp>
         <p:nvSpPr>
-          <p:cNvPr name="TextBox 8" id="8"/>
+          <p:cNvPr name="TextBox 9" id="9"/>
           <p:cNvSpPr txBox="true"/>
           <p:nvPr/>
         </p:nvSpPr>
@@ -4434,7 +4482,7 @@
       </p:sp>
       <p:sp>
         <p:nvSpPr>
-          <p:cNvPr name="AutoShape 9" id="9"/>
+          <p:cNvPr name="AutoShape 10" id="10"/>
           <p:cNvSpPr/>
           <p:nvPr/>
         </p:nvSpPr>
@@ -4458,7 +4506,7 @@
       </p:sp>
       <p:sp>
         <p:nvSpPr>
-          <p:cNvPr name="AutoShape 10" id="10"/>
+          <p:cNvPr name="AutoShape 11" id="11"/>
           <p:cNvSpPr/>
           <p:nvPr/>
         </p:nvSpPr>
@@ -4482,7 +4530,7 @@
       </p:sp>
       <p:sp>
         <p:nvSpPr>
-          <p:cNvPr name="Freeform 11" id="11"/>
+          <p:cNvPr name="Freeform 12" id="12"/>
           <p:cNvSpPr/>
           <p:nvPr/>
         </p:nvSpPr>
@@ -4519,7 +4567,7 @@
             </a:pathLst>
           </a:custGeom>
           <a:blipFill>
-            <a:blip r:embed="rId7"/>
+            <a:blip r:embed="rId8"/>
             <a:stretch>
               <a:fillRect l="0" t="0" r="0" b="0"/>
             </a:stretch>
@@ -4528,7 +4576,7 @@
       </p:sp>
       <p:grpSp>
         <p:nvGrpSpPr>
-          <p:cNvPr name="Group 12" id="12"/>
+          <p:cNvPr name="Group 13" id="13"/>
           <p:cNvGrpSpPr/>
           <p:nvPr/>
         </p:nvGrpSpPr>
@@ -4542,7 +4590,7 @@
         </p:grpSpPr>
         <p:sp>
           <p:nvSpPr>
-            <p:cNvPr name="Freeform 13" id="13"/>
+            <p:cNvPr name="Freeform 14" id="14"/>
             <p:cNvSpPr/>
             <p:nvPr/>
           </p:nvSpPr>
@@ -4593,7 +4641,7 @@
         </p:sp>
         <p:sp>
           <p:nvSpPr>
-            <p:cNvPr name="TextBox 14" id="14"/>
+            <p:cNvPr name="TextBox 15" id="15"/>
             <p:cNvSpPr txBox="true"/>
             <p:nvPr/>
           </p:nvSpPr>
@@ -4633,7 +4681,7 @@
       </p:grpSp>
       <p:sp>
         <p:nvSpPr>
-          <p:cNvPr name="TextBox 15" id="15"/>
+          <p:cNvPr name="TextBox 16" id="16"/>
           <p:cNvSpPr txBox="true"/>
           <p:nvPr/>
         </p:nvSpPr>
@@ -4689,7 +4737,7 @@
       </p:sp>
       <p:sp>
         <p:nvSpPr>
-          <p:cNvPr name="TextBox 16" id="16"/>
+          <p:cNvPr name="TextBox 17" id="17"/>
           <p:cNvSpPr txBox="true"/>
           <p:nvPr/>
         </p:nvSpPr>
@@ -4733,7 +4781,7 @@
       </p:sp>
       <p:sp>
         <p:nvSpPr>
-          <p:cNvPr name="TextBox 17" id="17"/>
+          <p:cNvPr name="TextBox 18" id="18"/>
           <p:cNvSpPr txBox="true"/>
           <p:nvPr/>
         </p:nvSpPr>
@@ -4809,7 +4857,7 @@
       </p:sp>
       <p:sp>
         <p:nvSpPr>
-          <p:cNvPr name="TextBox 18" id="18"/>
+          <p:cNvPr name="TextBox 19" id="19"/>
           <p:cNvSpPr txBox="true"/>
           <p:nvPr/>
         </p:nvSpPr>
@@ -4853,7 +4901,7 @@
       </p:sp>
       <p:sp>
         <p:nvSpPr>
-          <p:cNvPr name="TextBox 19" id="19"/>
+          <p:cNvPr name="TextBox 20" id="20"/>
           <p:cNvSpPr txBox="true"/>
           <p:nvPr/>
         </p:nvSpPr>
@@ -4897,7 +4945,7 @@
       </p:sp>
       <p:sp>
         <p:nvSpPr>
-          <p:cNvPr name="TextBox 20" id="20"/>
+          <p:cNvPr name="TextBox 21" id="21"/>
           <p:cNvSpPr txBox="true"/>
           <p:nvPr/>
         </p:nvSpPr>
@@ -4941,7 +4989,7 @@
       </p:sp>
       <p:sp>
         <p:nvSpPr>
-          <p:cNvPr name="TextBox 21" id="21"/>
+          <p:cNvPr name="TextBox 22" id="22"/>
           <p:cNvSpPr txBox="true"/>
           <p:nvPr/>
         </p:nvSpPr>
@@ -4985,7 +5033,7 @@
       </p:sp>
       <p:sp>
         <p:nvSpPr>
-          <p:cNvPr name="TextBox 22" id="22"/>
+          <p:cNvPr name="TextBox 23" id="23"/>
           <p:cNvSpPr txBox="true"/>
           <p:nvPr/>
         </p:nvSpPr>
@@ -5041,7 +5089,7 @@
       </p:sp>
       <p:grpSp>
         <p:nvGrpSpPr>
-          <p:cNvPr name="Group 23" id="23"/>
+          <p:cNvPr name="Group 24" id="24"/>
           <p:cNvGrpSpPr/>
           <p:nvPr/>
         </p:nvGrpSpPr>
@@ -5055,7 +5103,7 @@
         </p:grpSpPr>
         <p:sp>
           <p:nvSpPr>
-            <p:cNvPr name="Freeform 24" id="24"/>
+            <p:cNvPr name="Freeform 25" id="25"/>
             <p:cNvSpPr/>
             <p:nvPr/>
           </p:nvSpPr>
@@ -5106,7 +5154,7 @@
         </p:sp>
         <p:sp>
           <p:nvSpPr>
-            <p:cNvPr name="TextBox 25" id="25"/>
+            <p:cNvPr name="TextBox 26" id="26"/>
             <p:cNvSpPr txBox="true"/>
             <p:nvPr/>
           </p:nvSpPr>
@@ -5146,7 +5194,7 @@
       </p:grpSp>
       <p:grpSp>
         <p:nvGrpSpPr>
-          <p:cNvPr name="Group 26" id="26"/>
+          <p:cNvPr name="Group 27" id="27"/>
           <p:cNvGrpSpPr/>
           <p:nvPr/>
         </p:nvGrpSpPr>
@@ -5160,7 +5208,7 @@
         </p:grpSpPr>
         <p:sp>
           <p:nvSpPr>
-            <p:cNvPr name="Freeform 27" id="27"/>
+            <p:cNvPr name="Freeform 28" id="28"/>
             <p:cNvSpPr/>
             <p:nvPr/>
           </p:nvSpPr>
@@ -5211,7 +5259,7 @@
         </p:sp>
         <p:sp>
           <p:nvSpPr>
-            <p:cNvPr name="TextBox 28" id="28"/>
+            <p:cNvPr name="TextBox 29" id="29"/>
             <p:cNvSpPr txBox="true"/>
             <p:nvPr/>
           </p:nvSpPr>
@@ -8449,7 +8497,7 @@
         </p:nvGraphicFramePr>
         <p:xfrm>
           <a:off x="1028700" y="2698275"/>
-          <a:ext cx="7315200" cy="6638925"/>
+          <a:ext cx="7315200" cy="7172325"/>
         </p:xfrm>
         <a:graphic>
           <a:graphicData uri="http://schemas.openxmlformats.org/drawingml/2006/table">
@@ -8459,7 +8507,7 @@
                 <a:gridCol w="1437167"/>
                 <a:gridCol w="5878033"/>
               </a:tblGrid>
-              <a:tr h="737658">
+              <a:tr h="737342">
                 <a:tc>
                   <a:txBody>
                     <a:bodyPr anchor="t" rtlCol="false"/>
@@ -8597,7 +8645,7 @@
                   </a:tcPr>
                 </a:tc>
               </a:tr>
-              <a:tr h="737658">
+              <a:tr h="804373">
                 <a:tc>
                   <a:txBody>
                     <a:bodyPr anchor="t" rtlCol="false"/>
@@ -8670,12 +8718,12 @@
                     <a:p>
                       <a:pPr algn="ctr">
                         <a:lnSpc>
-                          <a:spcPts val="2160"/>
+                          <a:spcPts val="2580"/>
                         </a:lnSpc>
                         <a:defRPr/>
                       </a:pPr>
                       <a:r>
-                        <a:rPr lang="en-US" sz="1542">
+                        <a:rPr lang="en-US" sz="1842">
                           <a:solidFill>
                             <a:srgbClr val="000000"/>
                           </a:solidFill>
@@ -8729,7 +8777,7 @@
                   </a:tcPr>
                 </a:tc>
               </a:tr>
-              <a:tr h="737658">
+              <a:tr h="804373">
                 <a:tc>
                   <a:txBody>
                     <a:bodyPr anchor="t" rtlCol="false"/>
@@ -8802,12 +8850,12 @@
                     <a:p>
                       <a:pPr algn="ctr">
                         <a:lnSpc>
-                          <a:spcPts val="2160"/>
+                          <a:spcPts val="2580"/>
                         </a:lnSpc>
                         <a:defRPr/>
                       </a:pPr>
                       <a:r>
-                        <a:rPr lang="en-US" sz="1542">
+                        <a:rPr lang="en-US" sz="1842">
                           <a:solidFill>
                             <a:srgbClr val="000000"/>
                           </a:solidFill>
@@ -8861,7 +8909,7 @@
                   </a:tcPr>
                 </a:tc>
               </a:tr>
-              <a:tr h="737658">
+              <a:tr h="804373">
                 <a:tc>
                   <a:txBody>
                     <a:bodyPr anchor="t" rtlCol="false"/>
@@ -8934,12 +8982,12 @@
                     <a:p>
                       <a:pPr algn="ctr">
                         <a:lnSpc>
-                          <a:spcPts val="2160"/>
+                          <a:spcPts val="2580"/>
                         </a:lnSpc>
                         <a:defRPr/>
                       </a:pPr>
                       <a:r>
-                        <a:rPr lang="en-US" sz="1542">
+                        <a:rPr lang="en-US" sz="1842">
                           <a:solidFill>
                             <a:srgbClr val="000000"/>
                           </a:solidFill>
@@ -8993,7 +9041,7 @@
                   </a:tcPr>
                 </a:tc>
               </a:tr>
-              <a:tr h="737658">
+              <a:tr h="804373">
                 <a:tc>
                   <a:txBody>
                     <a:bodyPr anchor="t" rtlCol="false"/>
@@ -9066,12 +9114,12 @@
                     <a:p>
                       <a:pPr algn="ctr">
                         <a:lnSpc>
-                          <a:spcPts val="2160"/>
+                          <a:spcPts val="2580"/>
                         </a:lnSpc>
                         <a:defRPr/>
                       </a:pPr>
                       <a:r>
-                        <a:rPr lang="en-US" sz="1542">
+                        <a:rPr lang="en-US" sz="1842">
                           <a:solidFill>
                             <a:srgbClr val="000000"/>
                           </a:solidFill>
@@ -9125,7 +9173,7 @@
                   </a:tcPr>
                 </a:tc>
               </a:tr>
-              <a:tr h="737658">
+              <a:tr h="804373">
                 <a:tc>
                   <a:txBody>
                     <a:bodyPr anchor="t" rtlCol="false"/>
@@ -9198,12 +9246,12 @@
                     <a:p>
                       <a:pPr algn="ctr">
                         <a:lnSpc>
-                          <a:spcPts val="2160"/>
+                          <a:spcPts val="2580"/>
                         </a:lnSpc>
                         <a:defRPr/>
                       </a:pPr>
                       <a:r>
-                        <a:rPr lang="en-US" sz="1542">
+                        <a:rPr lang="en-US" sz="1842">
                           <a:solidFill>
                             <a:srgbClr val="000000"/>
                           </a:solidFill>
@@ -9257,7 +9305,7 @@
                   </a:tcPr>
                 </a:tc>
               </a:tr>
-              <a:tr h="737658">
+              <a:tr h="804373">
                 <a:tc>
                   <a:txBody>
                     <a:bodyPr anchor="t" rtlCol="false"/>
@@ -9330,12 +9378,12 @@
                     <a:p>
                       <a:pPr algn="ctr">
                         <a:lnSpc>
-                          <a:spcPts val="2160"/>
+                          <a:spcPts val="2580"/>
                         </a:lnSpc>
                         <a:defRPr/>
                       </a:pPr>
                       <a:r>
-                        <a:rPr lang="en-US" sz="1542">
+                        <a:rPr lang="en-US" sz="1842">
                           <a:solidFill>
                             <a:srgbClr val="000000"/>
                           </a:solidFill>
@@ -9389,7 +9437,7 @@
                   </a:tcPr>
                 </a:tc>
               </a:tr>
-              <a:tr h="737658">
+              <a:tr h="804373">
                 <a:tc>
                   <a:txBody>
                     <a:bodyPr anchor="t" rtlCol="false"/>
@@ -9462,12 +9510,12 @@
                     <a:p>
                       <a:pPr algn="ctr">
                         <a:lnSpc>
-                          <a:spcPts val="2160"/>
+                          <a:spcPts val="2580"/>
                         </a:lnSpc>
                         <a:defRPr/>
                       </a:pPr>
                       <a:r>
-                        <a:rPr lang="en-US" sz="1542">
+                        <a:rPr lang="en-US" sz="1842">
                           <a:solidFill>
                             <a:srgbClr val="000000"/>
                           </a:solidFill>
@@ -9521,7 +9569,7 @@
                   </a:tcPr>
                 </a:tc>
               </a:tr>
-              <a:tr h="737658">
+              <a:tr h="804373">
                 <a:tc>
                   <a:txBody>
                     <a:bodyPr anchor="t" rtlCol="false"/>
@@ -9594,12 +9642,12 @@
                     <a:p>
                       <a:pPr algn="ctr">
                         <a:lnSpc>
-                          <a:spcPts val="2160"/>
+                          <a:spcPts val="2580"/>
                         </a:lnSpc>
                         <a:defRPr/>
                       </a:pPr>
                       <a:r>
-                        <a:rPr lang="en-US" sz="1542">
+                        <a:rPr lang="en-US" sz="1842">
                           <a:solidFill>
                             <a:srgbClr val="000000"/>
                           </a:solidFill>
@@ -9894,7 +9942,7 @@
               </a:pathLst>
             </a:custGeom>
             <a:solidFill>
-              <a:srgbClr val="D4CBCD"/>
+              <a:srgbClr val="388E3C"/>
             </a:solidFill>
             <a:ln cap="rnd">
               <a:noFill/>
@@ -10220,8 +10268,8 @@
         </p:nvSpPr>
         <p:spPr>
           <a:xfrm rot="0">
-            <a:off x="12901608" y="2968884"/>
-            <a:ext cx="1937308" cy="239465"/>
+            <a:off x="12627770" y="2968884"/>
+            <a:ext cx="2484983" cy="296844"/>
           </a:xfrm>
           <a:prstGeom prst="rect">
             <a:avLst/>
@@ -10235,14 +10283,14 @@
           <a:p>
             <a:pPr algn="ctr">
               <a:lnSpc>
-                <a:spcPts val="1978"/>
+                <a:spcPts val="2538"/>
               </a:lnSpc>
               <a:spcBef>
                 <a:spcPct val="0"/>
               </a:spcBef>
             </a:pPr>
             <a:r>
-              <a:rPr lang="en-US" sz="1413">
+              <a:rPr lang="en-US" sz="1813">
                 <a:solidFill>
                   <a:srgbClr val="FFFFFF"/>
                 </a:solidFill>
@@ -10264,8 +10312,8 @@
         </p:nvSpPr>
         <p:spPr>
           <a:xfrm rot="0">
-            <a:off x="10704134" y="3624708"/>
-            <a:ext cx="953668" cy="239465"/>
+            <a:off x="10637299" y="3624708"/>
+            <a:ext cx="1087338" cy="296844"/>
           </a:xfrm>
           <a:prstGeom prst="rect">
             <a:avLst/>
@@ -10279,14 +10327,14 @@
           <a:p>
             <a:pPr algn="ctr">
               <a:lnSpc>
-                <a:spcPts val="1978"/>
+                <a:spcPts val="2538"/>
               </a:lnSpc>
               <a:spcBef>
                 <a:spcPct val="0"/>
               </a:spcBef>
             </a:pPr>
             <a:r>
-              <a:rPr lang="en-US" sz="1413">
+              <a:rPr lang="en-US" sz="1813">
                 <a:solidFill>
                   <a:srgbClr val="000000"/>
                 </a:solidFill>
@@ -10295,7 +10343,7 @@
                 <a:cs typeface="Touvlo"/>
                 <a:sym typeface="Touvlo"/>
               </a:rPr>
-              <a:t>Voluenteer</a:t>
+              <a:t>Volunteer</a:t>
             </a:r>
           </a:p>
         </p:txBody>
@@ -10433,8 +10481,8 @@
         </p:nvSpPr>
         <p:spPr>
           <a:xfrm rot="0">
-            <a:off x="13176526" y="4011600"/>
-            <a:ext cx="1387472" cy="239465"/>
+            <a:off x="12980419" y="4011600"/>
+            <a:ext cx="1779687" cy="296844"/>
           </a:xfrm>
           <a:prstGeom prst="rect">
             <a:avLst/>
@@ -10448,14 +10496,14 @@
           <a:p>
             <a:pPr algn="ctr">
               <a:lnSpc>
-                <a:spcPts val="1978"/>
+                <a:spcPts val="2538"/>
               </a:lnSpc>
               <a:spcBef>
                 <a:spcPct val="0"/>
               </a:spcBef>
             </a:pPr>
             <a:r>
-              <a:rPr lang="en-US" sz="1413">
+              <a:rPr lang="en-US" sz="1813">
                 <a:solidFill>
                   <a:srgbClr val="FFFFFF"/>
                 </a:solidFill>
@@ -10650,8 +10698,8 @@
         </p:nvSpPr>
         <p:spPr>
           <a:xfrm rot="0">
-            <a:off x="12908882" y="5065822"/>
-            <a:ext cx="1922760" cy="239465"/>
+            <a:off x="12569355" y="5056297"/>
+            <a:ext cx="2601813" cy="322879"/>
           </a:xfrm>
           <a:prstGeom prst="rect">
             <a:avLst/>
@@ -10665,14 +10713,14 @@
           <a:p>
             <a:pPr algn="ctr">
               <a:lnSpc>
-                <a:spcPts val="1978"/>
+                <a:spcPts val="2678"/>
               </a:lnSpc>
               <a:spcBef>
                 <a:spcPct val="0"/>
               </a:spcBef>
             </a:pPr>
             <a:r>
-              <a:rPr lang="en-US" sz="1413">
+              <a:rPr lang="en-US" sz="1913">
                 <a:solidFill>
                   <a:srgbClr val="FFFFFF"/>
                 </a:solidFill>
@@ -10694,8 +10742,8 @@
         </p:nvSpPr>
         <p:spPr>
           <a:xfrm rot="0">
-            <a:off x="16343141" y="3730153"/>
-            <a:ext cx="564559" cy="239465"/>
+            <a:off x="16243378" y="3720628"/>
+            <a:ext cx="764084" cy="322879"/>
           </a:xfrm>
           <a:prstGeom prst="rect">
             <a:avLst/>
@@ -10709,14 +10757,14 @@
           <a:p>
             <a:pPr algn="ctr">
               <a:lnSpc>
-                <a:spcPts val="1978"/>
+                <a:spcPts val="2678"/>
               </a:lnSpc>
               <a:spcBef>
                 <a:spcPct val="0"/>
               </a:spcBef>
             </a:pPr>
             <a:r>
-              <a:rPr lang="en-US" sz="1413">
+              <a:rPr lang="en-US" sz="1913">
                 <a:solidFill>
                   <a:srgbClr val="000000"/>
                 </a:solidFill>
@@ -10887,8 +10935,8 @@
         </p:nvSpPr>
         <p:spPr>
           <a:xfrm rot="0">
-            <a:off x="13163556" y="7178561"/>
-            <a:ext cx="1413413" cy="239465"/>
+            <a:off x="12913892" y="7169036"/>
+            <a:ext cx="1912739" cy="322879"/>
           </a:xfrm>
           <a:prstGeom prst="rect">
             <a:avLst/>
@@ -10902,14 +10950,14 @@
           <a:p>
             <a:pPr algn="ctr">
               <a:lnSpc>
-                <a:spcPts val="1978"/>
+                <a:spcPts val="2678"/>
               </a:lnSpc>
               <a:spcBef>
                 <a:spcPct val="0"/>
               </a:spcBef>
             </a:pPr>
             <a:r>
-              <a:rPr lang="en-US" sz="1413">
+              <a:rPr lang="en-US" sz="1913">
                 <a:solidFill>
                   <a:srgbClr val="FFFFFF"/>
                 </a:solidFill>
@@ -10931,8 +10979,8 @@
         </p:nvSpPr>
         <p:spPr>
           <a:xfrm rot="0">
-            <a:off x="10900967" y="7785892"/>
-            <a:ext cx="560002" cy="239465"/>
+            <a:off x="10802051" y="7776367"/>
+            <a:ext cx="757833" cy="322879"/>
           </a:xfrm>
           <a:prstGeom prst="rect">
             <a:avLst/>
@@ -10946,14 +10994,14 @@
           <a:p>
             <a:pPr algn="ctr">
               <a:lnSpc>
-                <a:spcPts val="1978"/>
+                <a:spcPts val="2678"/>
               </a:lnSpc>
               <a:spcBef>
                 <a:spcPct val="0"/>
               </a:spcBef>
             </a:pPr>
             <a:r>
-              <a:rPr lang="en-US" sz="1413">
+              <a:rPr lang="en-US" sz="1913">
                 <a:solidFill>
                   <a:srgbClr val="000000"/>
                 </a:solidFill>
@@ -11051,8 +11099,8 @@
         </p:nvSpPr>
         <p:spPr>
           <a:xfrm rot="0">
-            <a:off x="16387239" y="7785892"/>
-            <a:ext cx="826769" cy="239465"/>
+            <a:off x="16270424" y="7785892"/>
+            <a:ext cx="1060400" cy="296844"/>
           </a:xfrm>
           <a:prstGeom prst="rect">
             <a:avLst/>
@@ -11066,14 +11114,14 @@
           <a:p>
             <a:pPr algn="ctr">
               <a:lnSpc>
-                <a:spcPts val="1978"/>
+                <a:spcPts val="2538"/>
               </a:lnSpc>
               <a:spcBef>
                 <a:spcPct val="0"/>
               </a:spcBef>
             </a:pPr>
             <a:r>
-              <a:rPr lang="en-US" sz="1413">
+              <a:rPr lang="en-US" sz="1813">
                 <a:solidFill>
                   <a:srgbClr val="000000"/>
                 </a:solidFill>
@@ -11244,8 +11292,8 @@
         </p:nvSpPr>
         <p:spPr>
           <a:xfrm rot="0">
-            <a:off x="13092394" y="8182611"/>
-            <a:ext cx="1555735" cy="239465"/>
+            <a:off x="12817601" y="8173086"/>
+            <a:ext cx="2105323" cy="322879"/>
           </a:xfrm>
           <a:prstGeom prst="rect">
             <a:avLst/>
@@ -11259,14 +11307,14 @@
           <a:p>
             <a:pPr algn="ctr">
               <a:lnSpc>
-                <a:spcPts val="1978"/>
+                <a:spcPts val="2678"/>
               </a:lnSpc>
               <a:spcBef>
                 <a:spcPct val="0"/>
               </a:spcBef>
             </a:pPr>
             <a:r>
-              <a:rPr lang="en-US" sz="1413">
+              <a:rPr lang="en-US" sz="1913">
                 <a:solidFill>
                   <a:srgbClr val="FFFFFF"/>
                 </a:solidFill>
@@ -11461,8 +11509,8 @@
         </p:nvSpPr>
         <p:spPr>
           <a:xfrm rot="0">
-            <a:off x="13030873" y="9203180"/>
-            <a:ext cx="1678778" cy="239465"/>
+            <a:off x="12674577" y="9193655"/>
+            <a:ext cx="2391370" cy="339389"/>
           </a:xfrm>
           <a:prstGeom prst="rect">
             <a:avLst/>
@@ -11476,14 +11524,14 @@
           <a:p>
             <a:pPr algn="ctr">
               <a:lnSpc>
-                <a:spcPts val="1978"/>
+                <a:spcPts val="2818"/>
               </a:lnSpc>
               <a:spcBef>
                 <a:spcPct val="0"/>
               </a:spcBef>
             </a:pPr>
             <a:r>
-              <a:rPr lang="en-US" sz="1413">
+              <a:rPr lang="en-US" sz="2013">
                 <a:solidFill>
                   <a:srgbClr val="FFFFFF"/>
                 </a:solidFill>
@@ -11702,8 +11750,8 @@
         </p:nvSpPr>
         <p:spPr>
           <a:xfrm rot="0">
-            <a:off x="12741933" y="6119037"/>
-            <a:ext cx="2242110" cy="239465"/>
+            <a:off x="12583885" y="6119037"/>
+            <a:ext cx="2558207" cy="273349"/>
           </a:xfrm>
           <a:prstGeom prst="rect">
             <a:avLst/>
@@ -11717,14 +11765,14 @@
           <a:p>
             <a:pPr algn="ctr">
               <a:lnSpc>
-                <a:spcPts val="1978"/>
+                <a:spcPts val="2258"/>
               </a:lnSpc>
               <a:spcBef>
                 <a:spcPct val="0"/>
               </a:spcBef>
             </a:pPr>
             <a:r>
-              <a:rPr lang="en-US" sz="1413">
+              <a:rPr lang="en-US" sz="1613">
                 <a:solidFill>
                   <a:srgbClr val="FFFFFF"/>
                 </a:solidFill>
